--- a/labs/Lec-20-22-rtos-scheduling.pptx
+++ b/labs/Lec-20-22-rtos-scheduling.pptx
@@ -5,7 +5,7 @@
     <p:sldMasterId id="2147483648" r:id="rId1"/>
   </p:sldMasterIdLst>
   <p:notesMasterIdLst>
-    <p:notesMasterId r:id="rId27"/>
+    <p:notesMasterId r:id="rId32"/>
   </p:notesMasterIdLst>
   <p:sldIdLst>
     <p:sldId id="337" r:id="rId2"/>
@@ -33,6 +33,11 @@
     <p:sldId id="406" r:id="rId24"/>
     <p:sldId id="408" r:id="rId25"/>
     <p:sldId id="409" r:id="rId26"/>
+    <p:sldId id="410" r:id="rId27"/>
+    <p:sldId id="411" r:id="rId28"/>
+    <p:sldId id="412" r:id="rId29"/>
+    <p:sldId id="413" r:id="rId30"/>
+    <p:sldId id="414" r:id="rId31"/>
   </p:sldIdLst>
   <p:sldSz cx="9144000" cy="6858000" type="screen4x3"/>
   <p:notesSz cx="6858000" cy="9144000"/>
@@ -314,7 +319,7 @@
               <a:pPr>
                 <a:defRPr/>
               </a:pPr>
-              <a:t>2/24/2026</a:t>
+              <a:t>2/26/2026</a:t>
             </a:fld>
             <a:endParaRPr lang="en-US"/>
           </a:p>
@@ -10428,7 +10433,7 @@
         <p:spPr/>
         <p:txBody>
           <a:bodyPr>
-            <a:normAutofit fontScale="85000" lnSpcReduction="20000"/>
+            <a:noAutofit/>
           </a:bodyPr>
           <a:lstStyle/>
           <a:p>
@@ -10436,7 +10441,7 @@
               <a:buNone/>
             </a:pPr>
             <a:r>
-              <a:rPr lang="en-US" dirty="0"/>
+              <a:rPr lang="en-US" sz="2000" dirty="0"/>
               <a:t>Advantages</a:t>
             </a:r>
           </a:p>
@@ -10446,7 +10451,7 @@
               <a:buChar char="-"/>
             </a:pPr>
             <a:r>
-              <a:rPr lang="en-US" dirty="0"/>
+              <a:rPr lang="en-US" sz="2000" dirty="0"/>
               <a:t>Simple implementation</a:t>
             </a:r>
           </a:p>
@@ -10456,7 +10461,7 @@
               <a:buChar char="-"/>
             </a:pPr>
             <a:r>
-              <a:rPr lang="en-US" dirty="0"/>
+              <a:rPr lang="en-US" sz="1800" dirty="0"/>
               <a:t>How would you implement?</a:t>
             </a:r>
           </a:p>
@@ -10466,7 +10471,7 @@
               <a:buChar char="-"/>
             </a:pPr>
             <a:r>
-              <a:rPr lang="en-US" dirty="0"/>
+              <a:rPr lang="en-US" sz="2000" dirty="0"/>
               <a:t>Low overhead</a:t>
             </a:r>
           </a:p>
@@ -10476,7 +10481,7 @@
               <a:buChar char="-"/>
             </a:pPr>
             <a:r>
-              <a:rPr lang="en-US" dirty="0"/>
+              <a:rPr lang="en-US" sz="2000" dirty="0"/>
               <a:t>Very predictable</a:t>
             </a:r>
           </a:p>
@@ -10484,14 +10489,14 @@
             <a:pPr marL="0" indent="0">
               <a:buNone/>
             </a:pPr>
-            <a:endParaRPr lang="en-US" dirty="0"/>
+            <a:endParaRPr lang="en-US" sz="2000" dirty="0"/>
           </a:p>
           <a:p>
             <a:pPr marL="0" indent="0">
               <a:buNone/>
             </a:pPr>
             <a:r>
-              <a:rPr lang="en-US" dirty="0"/>
+              <a:rPr lang="en-US" sz="2000" dirty="0"/>
               <a:t>Disadvantages</a:t>
             </a:r>
           </a:p>
@@ -10501,7 +10506,7 @@
               <a:buChar char="-"/>
             </a:pPr>
             <a:r>
-              <a:rPr lang="en-US" dirty="0"/>
+              <a:rPr lang="en-US" sz="2000" dirty="0"/>
               <a:t>Cannot handle sporadic events</a:t>
             </a:r>
           </a:p>
@@ -10511,7 +10516,7 @@
               <a:buChar char="-"/>
             </a:pPr>
             <a:r>
-              <a:rPr lang="en-US" dirty="0"/>
+              <a:rPr lang="en-US" sz="2000" dirty="0"/>
               <a:t>Everything must operate in lockstep</a:t>
             </a:r>
           </a:p>
@@ -10521,7 +10526,7 @@
               <a:buChar char="-"/>
             </a:pPr>
             <a:r>
-              <a:rPr lang="en-US" dirty="0"/>
+              <a:rPr lang="en-US" sz="2000" dirty="0"/>
               <a:t>Code is scheduled manually</a:t>
             </a:r>
           </a:p>
@@ -10530,17 +10535,17 @@
               <a:buFontTx/>
               <a:buChar char="-"/>
             </a:pPr>
-            <a:endParaRPr lang="en-US" dirty="0"/>
+            <a:endParaRPr lang="en-US" sz="2000" dirty="0"/>
           </a:p>
           <a:p>
             <a:pPr marL="0" indent="0">
               <a:buNone/>
             </a:pPr>
             <a:r>
-              <a:rPr lang="en-US" dirty="0"/>
+              <a:rPr lang="en-US" sz="2000" dirty="0"/>
               <a:t>Solution: Cyclic executive with interrupts</a:t>
             </a:r>
-            <a:endParaRPr lang="en-IN" dirty="0"/>
+            <a:endParaRPr lang="en-IN" sz="2000" dirty="0"/>
           </a:p>
         </p:txBody>
       </p:sp>
@@ -10632,8 +10637,78 @@
         </p:blipFill>
         <p:spPr>
           <a:xfrm>
-            <a:off x="5943600" y="1446211"/>
-            <a:ext cx="2867425" cy="2638793"/>
+            <a:off x="7174828" y="914400"/>
+            <a:ext cx="1740572" cy="1601789"/>
+          </a:xfrm>
+          <a:prstGeom prst="rect">
+            <a:avLst/>
+          </a:prstGeom>
+        </p:spPr>
+      </p:pic>
+      <p:pic>
+        <p:nvPicPr>
+          <p:cNvPr id="8" name="Picture 7">
+            <a:extLst>
+              <a:ext uri="{FF2B5EF4-FFF2-40B4-BE49-F238E27FC236}">
+                <a16:creationId xmlns:a16="http://schemas.microsoft.com/office/drawing/2014/main" id="{49DB2211-D0E4-2548-50E7-2D4635309534}"/>
+              </a:ext>
+            </a:extLst>
+          </p:cNvPr>
+          <p:cNvPicPr>
+            <a:picLocks noChangeAspect="1"/>
+          </p:cNvPicPr>
+          <p:nvPr/>
+        </p:nvPicPr>
+        <p:blipFill>
+          <a:blip r:embed="rId3">
+            <a:extLst>
+              <a:ext uri="{28A0092B-C50C-407E-A947-70E740481C1C}">
+                <a14:useLocalDpi xmlns:a14="http://schemas.microsoft.com/office/drawing/2010/main" val="0"/>
+              </a:ext>
+            </a:extLst>
+          </a:blip>
+          <a:srcRect/>
+          <a:stretch/>
+        </p:blipFill>
+        <p:spPr>
+          <a:xfrm>
+            <a:off x="5019118" y="2971800"/>
+            <a:ext cx="3891567" cy="1657859"/>
+          </a:xfrm>
+          <a:prstGeom prst="rect">
+            <a:avLst/>
+          </a:prstGeom>
+        </p:spPr>
+      </p:pic>
+      <p:pic>
+        <p:nvPicPr>
+          <p:cNvPr id="10" name="Picture 9">
+            <a:extLst>
+              <a:ext uri="{FF2B5EF4-FFF2-40B4-BE49-F238E27FC236}">
+                <a16:creationId xmlns:a16="http://schemas.microsoft.com/office/drawing/2014/main" id="{58647E2B-153D-BF4F-80A7-DCBDA87090A4}"/>
+              </a:ext>
+            </a:extLst>
+          </p:cNvPr>
+          <p:cNvPicPr>
+            <a:picLocks noChangeAspect="1"/>
+          </p:cNvPicPr>
+          <p:nvPr/>
+        </p:nvPicPr>
+        <p:blipFill>
+          <a:blip r:embed="rId4">
+            <a:extLst>
+              <a:ext uri="{28A0092B-C50C-407E-A947-70E740481C1C}">
+                <a14:useLocalDpi xmlns:a14="http://schemas.microsoft.com/office/drawing/2010/main" val="0"/>
+              </a:ext>
+            </a:extLst>
+          </a:blip>
+          <a:srcRect/>
+          <a:stretch/>
+        </p:blipFill>
+        <p:spPr>
+          <a:xfrm>
+            <a:off x="5019118" y="4740826"/>
+            <a:ext cx="3891567" cy="1636434"/>
           </a:xfrm>
           <a:prstGeom prst="rect">
             <a:avLst/>
@@ -11063,7 +11138,7 @@
                             </p:stCondLst>
                             <p:childTnLst>
                               <p:par>
-                                <p:cTn id="37" presetID="1" presetClass="entr" presetSubtype="0" fill="hold" grpId="0" nodeType="clickEffect">
+                                <p:cTn id="37" presetID="1" presetClass="entr" presetSubtype="0" fill="hold" nodeType="clickEffect">
                                   <p:stCondLst>
                                     <p:cond delay="0"/>
                                   </p:stCondLst>
@@ -11076,11 +11151,7 @@
                                           </p:stCondLst>
                                         </p:cTn>
                                         <p:tgtEl>
-                                          <p:spTgt spid="3">
-                                            <p:txEl>
-                                              <p:pRg st="9" end="9"/>
-                                            </p:txEl>
-                                          </p:spTgt>
+                                          <p:spTgt spid="8"/>
                                         </p:tgtEl>
                                         <p:attrNameLst>
                                           <p:attrName>style.visibility</p:attrName>
@@ -11112,7 +11183,7 @@
                             </p:stCondLst>
                             <p:childTnLst>
                               <p:par>
-                                <p:cTn id="41" presetID="1" presetClass="entr" presetSubtype="0" fill="hold" grpId="0" nodeType="clickEffect">
+                                <p:cTn id="41" presetID="1" presetClass="entr" presetSubtype="0" fill="hold" nodeType="clickEffect">
                                   <p:stCondLst>
                                     <p:cond delay="0"/>
                                   </p:stCondLst>
@@ -11120,6 +11191,100 @@
                                     <p:set>
                                       <p:cBhvr>
                                         <p:cTn id="42" dur="1" fill="hold">
+                                          <p:stCondLst>
+                                            <p:cond delay="0"/>
+                                          </p:stCondLst>
+                                        </p:cTn>
+                                        <p:tgtEl>
+                                          <p:spTgt spid="10"/>
+                                        </p:tgtEl>
+                                        <p:attrNameLst>
+                                          <p:attrName>style.visibility</p:attrName>
+                                        </p:attrNameLst>
+                                      </p:cBhvr>
+                                      <p:to>
+                                        <p:strVal val="visible"/>
+                                      </p:to>
+                                    </p:set>
+                                  </p:childTnLst>
+                                </p:cTn>
+                              </p:par>
+                            </p:childTnLst>
+                          </p:cTn>
+                        </p:par>
+                      </p:childTnLst>
+                    </p:cTn>
+                  </p:par>
+                  <p:par>
+                    <p:cTn id="43" fill="hold">
+                      <p:stCondLst>
+                        <p:cond delay="indefinite"/>
+                      </p:stCondLst>
+                      <p:childTnLst>
+                        <p:par>
+                          <p:cTn id="44" fill="hold">
+                            <p:stCondLst>
+                              <p:cond delay="0"/>
+                            </p:stCondLst>
+                            <p:childTnLst>
+                              <p:par>
+                                <p:cTn id="45" presetID="1" presetClass="entr" presetSubtype="0" fill="hold" grpId="0" nodeType="clickEffect">
+                                  <p:stCondLst>
+                                    <p:cond delay="0"/>
+                                  </p:stCondLst>
+                                  <p:childTnLst>
+                                    <p:set>
+                                      <p:cBhvr>
+                                        <p:cTn id="46" dur="1" fill="hold">
+                                          <p:stCondLst>
+                                            <p:cond delay="0"/>
+                                          </p:stCondLst>
+                                        </p:cTn>
+                                        <p:tgtEl>
+                                          <p:spTgt spid="3">
+                                            <p:txEl>
+                                              <p:pRg st="9" end="9"/>
+                                            </p:txEl>
+                                          </p:spTgt>
+                                        </p:tgtEl>
+                                        <p:attrNameLst>
+                                          <p:attrName>style.visibility</p:attrName>
+                                        </p:attrNameLst>
+                                      </p:cBhvr>
+                                      <p:to>
+                                        <p:strVal val="visible"/>
+                                      </p:to>
+                                    </p:set>
+                                  </p:childTnLst>
+                                </p:cTn>
+                              </p:par>
+                            </p:childTnLst>
+                          </p:cTn>
+                        </p:par>
+                      </p:childTnLst>
+                    </p:cTn>
+                  </p:par>
+                  <p:par>
+                    <p:cTn id="47" fill="hold">
+                      <p:stCondLst>
+                        <p:cond delay="indefinite"/>
+                      </p:stCondLst>
+                      <p:childTnLst>
+                        <p:par>
+                          <p:cTn id="48" fill="hold">
+                            <p:stCondLst>
+                              <p:cond delay="0"/>
+                            </p:stCondLst>
+                            <p:childTnLst>
+                              <p:par>
+                                <p:cTn id="49" presetID="1" presetClass="entr" presetSubtype="0" fill="hold" grpId="0" nodeType="clickEffect">
+                                  <p:stCondLst>
+                                    <p:cond delay="0"/>
+                                  </p:stCondLst>
+                                  <p:childTnLst>
+                                    <p:set>
+                                      <p:cBhvr>
+                                        <p:cTn id="50" dur="1" fill="hold">
                                           <p:stCondLst>
                                             <p:cond delay="0"/>
                                           </p:stCondLst>
@@ -11170,7 +11335,7 @@
       </p:par>
     </p:tnLst>
     <p:bldLst>
-      <p:bldP spid="3" grpId="0" build="p"/>
+      <p:bldP spid="3" grpId="0" uiExpand="1" build="p"/>
     </p:bldLst>
   </p:timing>
 </p:sld>
@@ -14817,12 +14982,8 @@
           </a:p>
           <a:p>
             <a:r>
-              <a:rPr lang="en-US" dirty="0" err="1"/>
-              <a:t>i</a:t>
-            </a:r>
-            <a:r>
               <a:rPr lang="en-US" dirty="0"/>
-              <a:t>/o and interrupt handling</a:t>
+              <a:t>I/O and interrupt handling</a:t>
             </a:r>
           </a:p>
           <a:p>
@@ -16783,6 +16944,1643 @@
 </p:sld>
 </file>
 
+<file path=ppt/slides/slide26.xml><?xml version="1.0" encoding="utf-8"?>
+<p:sld xmlns:a="http://schemas.openxmlformats.org/drawingml/2006/main" xmlns:r="http://schemas.openxmlformats.org/officeDocument/2006/relationships" xmlns:p="http://schemas.openxmlformats.org/presentationml/2006/main">
+  <p:cSld>
+    <p:spTree>
+      <p:nvGrpSpPr>
+        <p:cNvPr id="1" name=""/>
+        <p:cNvGrpSpPr/>
+        <p:nvPr/>
+      </p:nvGrpSpPr>
+      <p:grpSpPr>
+        <a:xfrm>
+          <a:off x="0" y="0"/>
+          <a:ext cx="0" cy="0"/>
+          <a:chOff x="0" y="0"/>
+          <a:chExt cx="0" cy="0"/>
+        </a:xfrm>
+      </p:grpSpPr>
+      <p:sp>
+        <p:nvSpPr>
+          <p:cNvPr id="2" name="Title 1">
+            <a:extLst>
+              <a:ext uri="{FF2B5EF4-FFF2-40B4-BE49-F238E27FC236}">
+                <a16:creationId xmlns:a16="http://schemas.microsoft.com/office/drawing/2014/main" id="{FCF13901-136A-8C33-7669-A78B561CEBCE}"/>
+              </a:ext>
+            </a:extLst>
+          </p:cNvPr>
+          <p:cNvSpPr>
+            <a:spLocks noGrp="1"/>
+          </p:cNvSpPr>
+          <p:nvPr>
+            <p:ph type="title"/>
+          </p:nvPr>
+        </p:nvSpPr>
+        <p:spPr/>
+        <p:txBody>
+          <a:bodyPr/>
+          <a:lstStyle/>
+          <a:p>
+            <a:r>
+              <a:rPr lang="en-US" dirty="0"/>
+              <a:t>What factors make real-time hard?</a:t>
+            </a:r>
+            <a:endParaRPr lang="en-IN" dirty="0"/>
+          </a:p>
+        </p:txBody>
+      </p:sp>
+      <p:sp>
+        <p:nvSpPr>
+          <p:cNvPr id="3" name="Content Placeholder 2">
+            <a:extLst>
+              <a:ext uri="{FF2B5EF4-FFF2-40B4-BE49-F238E27FC236}">
+                <a16:creationId xmlns:a16="http://schemas.microsoft.com/office/drawing/2014/main" id="{07BAF23F-FCC8-AB40-078D-C983ABD48278}"/>
+              </a:ext>
+            </a:extLst>
+          </p:cNvPr>
+          <p:cNvSpPr>
+            <a:spLocks noGrp="1"/>
+          </p:cNvSpPr>
+          <p:nvPr>
+            <p:ph idx="1"/>
+          </p:nvPr>
+        </p:nvSpPr>
+        <p:spPr/>
+        <p:txBody>
+          <a:bodyPr>
+            <a:normAutofit lnSpcReduction="10000"/>
+          </a:bodyPr>
+          <a:lstStyle/>
+          <a:p>
+            <a:r>
+              <a:rPr lang="en-US" dirty="0"/>
+              <a:t>Interrupts</a:t>
+            </a:r>
+            <a:r>
+              <a:rPr lang="en-IN" dirty="0"/>
+              <a:t> (timing disrupted by external event responses)</a:t>
+            </a:r>
+          </a:p>
+          <a:p>
+            <a:r>
+              <a:rPr lang="en-IN" dirty="0"/>
+              <a:t>Unpredictability of CPU execution</a:t>
+            </a:r>
+          </a:p>
+          <a:p>
+            <a:pPr lvl="1"/>
+            <a:r>
+              <a:rPr lang="en-IN" dirty="0"/>
+              <a:t>Branch prediction, caches, power modes and clock frequency changes, memory management (page fault)</a:t>
+            </a:r>
+          </a:p>
+          <a:p>
+            <a:r>
+              <a:rPr lang="en-IN" dirty="0"/>
+              <a:t>Dynamic memory allocation and garbage collection</a:t>
+            </a:r>
+          </a:p>
+          <a:p>
+            <a:r>
+              <a:rPr lang="en-IN" dirty="0"/>
+              <a:t>Unpredictable hardware (e.g. network access)</a:t>
+            </a:r>
+          </a:p>
+          <a:p>
+            <a:r>
+              <a:rPr lang="en-US" dirty="0"/>
+              <a:t>Operating systems (scheduler, context switching)</a:t>
+            </a:r>
+          </a:p>
+          <a:p>
+            <a:pPr lvl="1"/>
+            <a:r>
+              <a:rPr lang="en-US" dirty="0">
+                <a:solidFill>
+                  <a:srgbClr val="FF0000"/>
+                </a:solidFill>
+              </a:rPr>
+              <a:t>So why do we use RTOSs?</a:t>
+            </a:r>
+          </a:p>
+        </p:txBody>
+      </p:sp>
+      <p:sp>
+        <p:nvSpPr>
+          <p:cNvPr id="4" name="Date Placeholder 3">
+            <a:extLst>
+              <a:ext uri="{FF2B5EF4-FFF2-40B4-BE49-F238E27FC236}">
+                <a16:creationId xmlns:a16="http://schemas.microsoft.com/office/drawing/2014/main" id="{49B2979D-D561-7090-025F-3D9B76839C86}"/>
+              </a:ext>
+            </a:extLst>
+          </p:cNvPr>
+          <p:cNvSpPr>
+            <a:spLocks noGrp="1"/>
+          </p:cNvSpPr>
+          <p:nvPr>
+            <p:ph type="dt" sz="half" idx="10"/>
+          </p:nvPr>
+        </p:nvSpPr>
+        <p:spPr/>
+        <p:txBody>
+          <a:bodyPr/>
+          <a:lstStyle/>
+          <a:p>
+            <a:pPr>
+              <a:defRPr/>
+            </a:pPr>
+            <a:r>
+              <a:rPr lang="en-US"/>
+              <a:t>21/12/2020</a:t>
+            </a:r>
+          </a:p>
+        </p:txBody>
+      </p:sp>
+      <p:sp>
+        <p:nvSpPr>
+          <p:cNvPr id="5" name="Slide Number Placeholder 4">
+            <a:extLst>
+              <a:ext uri="{FF2B5EF4-FFF2-40B4-BE49-F238E27FC236}">
+                <a16:creationId xmlns:a16="http://schemas.microsoft.com/office/drawing/2014/main" id="{C3C5EADA-DC65-F9DB-86B7-B4B1859D78A4}"/>
+              </a:ext>
+            </a:extLst>
+          </p:cNvPr>
+          <p:cNvSpPr>
+            <a:spLocks noGrp="1"/>
+          </p:cNvSpPr>
+          <p:nvPr>
+            <p:ph type="sldNum" sz="quarter" idx="12"/>
+          </p:nvPr>
+        </p:nvSpPr>
+        <p:spPr/>
+        <p:txBody>
+          <a:bodyPr/>
+          <a:lstStyle/>
+          <a:p>
+            <a:pPr>
+              <a:defRPr/>
+            </a:pPr>
+            <a:fld id="{CA887A73-1AE0-46F8-856A-18EA1CF30A1B}" type="slidenum">
+              <a:rPr lang="en-US" altLang="en-US" smtClean="0"/>
+              <a:pPr>
+                <a:defRPr/>
+              </a:pPr>
+              <a:t>26</a:t>
+            </a:fld>
+            <a:endParaRPr lang="en-US" altLang="en-US"/>
+          </a:p>
+        </p:txBody>
+      </p:sp>
+    </p:spTree>
+    <p:extLst>
+      <p:ext uri="{BB962C8B-B14F-4D97-AF65-F5344CB8AC3E}">
+        <p14:creationId xmlns:p14="http://schemas.microsoft.com/office/powerpoint/2010/main" val="3826850816"/>
+      </p:ext>
+    </p:extLst>
+  </p:cSld>
+  <p:clrMapOvr>
+    <a:masterClrMapping/>
+  </p:clrMapOvr>
+  <p:timing>
+    <p:tnLst>
+      <p:par>
+        <p:cTn id="1" dur="indefinite" restart="never" nodeType="tmRoot">
+          <p:childTnLst>
+            <p:seq concurrent="1" nextAc="seek">
+              <p:cTn id="2" dur="indefinite" nodeType="mainSeq">
+                <p:childTnLst>
+                  <p:par>
+                    <p:cTn id="3" fill="hold">
+                      <p:stCondLst>
+                        <p:cond delay="indefinite"/>
+                      </p:stCondLst>
+                      <p:childTnLst>
+                        <p:par>
+                          <p:cTn id="4" fill="hold">
+                            <p:stCondLst>
+                              <p:cond delay="0"/>
+                            </p:stCondLst>
+                            <p:childTnLst>
+                              <p:par>
+                                <p:cTn id="5" presetID="1" presetClass="entr" presetSubtype="0" fill="hold" grpId="0" nodeType="clickEffect">
+                                  <p:stCondLst>
+                                    <p:cond delay="0"/>
+                                  </p:stCondLst>
+                                  <p:childTnLst>
+                                    <p:set>
+                                      <p:cBhvr>
+                                        <p:cTn id="6" dur="1" fill="hold">
+                                          <p:stCondLst>
+                                            <p:cond delay="0"/>
+                                          </p:stCondLst>
+                                        </p:cTn>
+                                        <p:tgtEl>
+                                          <p:spTgt spid="3">
+                                            <p:txEl>
+                                              <p:pRg st="0" end="0"/>
+                                            </p:txEl>
+                                          </p:spTgt>
+                                        </p:tgtEl>
+                                        <p:attrNameLst>
+                                          <p:attrName>style.visibility</p:attrName>
+                                        </p:attrNameLst>
+                                      </p:cBhvr>
+                                      <p:to>
+                                        <p:strVal val="visible"/>
+                                      </p:to>
+                                    </p:set>
+                                  </p:childTnLst>
+                                </p:cTn>
+                              </p:par>
+                            </p:childTnLst>
+                          </p:cTn>
+                        </p:par>
+                      </p:childTnLst>
+                    </p:cTn>
+                  </p:par>
+                  <p:par>
+                    <p:cTn id="7" fill="hold">
+                      <p:stCondLst>
+                        <p:cond delay="indefinite"/>
+                      </p:stCondLst>
+                      <p:childTnLst>
+                        <p:par>
+                          <p:cTn id="8" fill="hold">
+                            <p:stCondLst>
+                              <p:cond delay="0"/>
+                            </p:stCondLst>
+                            <p:childTnLst>
+                              <p:par>
+                                <p:cTn id="9" presetID="1" presetClass="entr" presetSubtype="0" fill="hold" grpId="0" nodeType="clickEffect">
+                                  <p:stCondLst>
+                                    <p:cond delay="0"/>
+                                  </p:stCondLst>
+                                  <p:childTnLst>
+                                    <p:set>
+                                      <p:cBhvr>
+                                        <p:cTn id="10" dur="1" fill="hold">
+                                          <p:stCondLst>
+                                            <p:cond delay="0"/>
+                                          </p:stCondLst>
+                                        </p:cTn>
+                                        <p:tgtEl>
+                                          <p:spTgt spid="3">
+                                            <p:txEl>
+                                              <p:pRg st="1" end="1"/>
+                                            </p:txEl>
+                                          </p:spTgt>
+                                        </p:tgtEl>
+                                        <p:attrNameLst>
+                                          <p:attrName>style.visibility</p:attrName>
+                                        </p:attrNameLst>
+                                      </p:cBhvr>
+                                      <p:to>
+                                        <p:strVal val="visible"/>
+                                      </p:to>
+                                    </p:set>
+                                  </p:childTnLst>
+                                </p:cTn>
+                              </p:par>
+                            </p:childTnLst>
+                          </p:cTn>
+                        </p:par>
+                      </p:childTnLst>
+                    </p:cTn>
+                  </p:par>
+                  <p:par>
+                    <p:cTn id="11" fill="hold">
+                      <p:stCondLst>
+                        <p:cond delay="indefinite"/>
+                      </p:stCondLst>
+                      <p:childTnLst>
+                        <p:par>
+                          <p:cTn id="12" fill="hold">
+                            <p:stCondLst>
+                              <p:cond delay="0"/>
+                            </p:stCondLst>
+                            <p:childTnLst>
+                              <p:par>
+                                <p:cTn id="13" presetID="1" presetClass="entr" presetSubtype="0" fill="hold" grpId="0" nodeType="clickEffect">
+                                  <p:stCondLst>
+                                    <p:cond delay="0"/>
+                                  </p:stCondLst>
+                                  <p:childTnLst>
+                                    <p:set>
+                                      <p:cBhvr>
+                                        <p:cTn id="14" dur="1" fill="hold">
+                                          <p:stCondLst>
+                                            <p:cond delay="0"/>
+                                          </p:stCondLst>
+                                        </p:cTn>
+                                        <p:tgtEl>
+                                          <p:spTgt spid="3">
+                                            <p:txEl>
+                                              <p:pRg st="2" end="2"/>
+                                            </p:txEl>
+                                          </p:spTgt>
+                                        </p:tgtEl>
+                                        <p:attrNameLst>
+                                          <p:attrName>style.visibility</p:attrName>
+                                        </p:attrNameLst>
+                                      </p:cBhvr>
+                                      <p:to>
+                                        <p:strVal val="visible"/>
+                                      </p:to>
+                                    </p:set>
+                                  </p:childTnLst>
+                                </p:cTn>
+                              </p:par>
+                            </p:childTnLst>
+                          </p:cTn>
+                        </p:par>
+                      </p:childTnLst>
+                    </p:cTn>
+                  </p:par>
+                  <p:par>
+                    <p:cTn id="15" fill="hold">
+                      <p:stCondLst>
+                        <p:cond delay="indefinite"/>
+                      </p:stCondLst>
+                      <p:childTnLst>
+                        <p:par>
+                          <p:cTn id="16" fill="hold">
+                            <p:stCondLst>
+                              <p:cond delay="0"/>
+                            </p:stCondLst>
+                            <p:childTnLst>
+                              <p:par>
+                                <p:cTn id="17" presetID="1" presetClass="entr" presetSubtype="0" fill="hold" grpId="0" nodeType="clickEffect">
+                                  <p:stCondLst>
+                                    <p:cond delay="0"/>
+                                  </p:stCondLst>
+                                  <p:childTnLst>
+                                    <p:set>
+                                      <p:cBhvr>
+                                        <p:cTn id="18" dur="1" fill="hold">
+                                          <p:stCondLst>
+                                            <p:cond delay="0"/>
+                                          </p:stCondLst>
+                                        </p:cTn>
+                                        <p:tgtEl>
+                                          <p:spTgt spid="3">
+                                            <p:txEl>
+                                              <p:pRg st="3" end="3"/>
+                                            </p:txEl>
+                                          </p:spTgt>
+                                        </p:tgtEl>
+                                        <p:attrNameLst>
+                                          <p:attrName>style.visibility</p:attrName>
+                                        </p:attrNameLst>
+                                      </p:cBhvr>
+                                      <p:to>
+                                        <p:strVal val="visible"/>
+                                      </p:to>
+                                    </p:set>
+                                  </p:childTnLst>
+                                </p:cTn>
+                              </p:par>
+                            </p:childTnLst>
+                          </p:cTn>
+                        </p:par>
+                      </p:childTnLst>
+                    </p:cTn>
+                  </p:par>
+                  <p:par>
+                    <p:cTn id="19" fill="hold">
+                      <p:stCondLst>
+                        <p:cond delay="indefinite"/>
+                      </p:stCondLst>
+                      <p:childTnLst>
+                        <p:par>
+                          <p:cTn id="20" fill="hold">
+                            <p:stCondLst>
+                              <p:cond delay="0"/>
+                            </p:stCondLst>
+                            <p:childTnLst>
+                              <p:par>
+                                <p:cTn id="21" presetID="1" presetClass="entr" presetSubtype="0" fill="hold" grpId="0" nodeType="clickEffect">
+                                  <p:stCondLst>
+                                    <p:cond delay="0"/>
+                                  </p:stCondLst>
+                                  <p:childTnLst>
+                                    <p:set>
+                                      <p:cBhvr>
+                                        <p:cTn id="22" dur="1" fill="hold">
+                                          <p:stCondLst>
+                                            <p:cond delay="0"/>
+                                          </p:stCondLst>
+                                        </p:cTn>
+                                        <p:tgtEl>
+                                          <p:spTgt spid="3">
+                                            <p:txEl>
+                                              <p:pRg st="4" end="4"/>
+                                            </p:txEl>
+                                          </p:spTgt>
+                                        </p:tgtEl>
+                                        <p:attrNameLst>
+                                          <p:attrName>style.visibility</p:attrName>
+                                        </p:attrNameLst>
+                                      </p:cBhvr>
+                                      <p:to>
+                                        <p:strVal val="visible"/>
+                                      </p:to>
+                                    </p:set>
+                                  </p:childTnLst>
+                                </p:cTn>
+                              </p:par>
+                            </p:childTnLst>
+                          </p:cTn>
+                        </p:par>
+                      </p:childTnLst>
+                    </p:cTn>
+                  </p:par>
+                  <p:par>
+                    <p:cTn id="23" fill="hold">
+                      <p:stCondLst>
+                        <p:cond delay="indefinite"/>
+                      </p:stCondLst>
+                      <p:childTnLst>
+                        <p:par>
+                          <p:cTn id="24" fill="hold">
+                            <p:stCondLst>
+                              <p:cond delay="0"/>
+                            </p:stCondLst>
+                            <p:childTnLst>
+                              <p:par>
+                                <p:cTn id="25" presetID="1" presetClass="entr" presetSubtype="0" fill="hold" grpId="0" nodeType="clickEffect">
+                                  <p:stCondLst>
+                                    <p:cond delay="0"/>
+                                  </p:stCondLst>
+                                  <p:childTnLst>
+                                    <p:set>
+                                      <p:cBhvr>
+                                        <p:cTn id="26" dur="1" fill="hold">
+                                          <p:stCondLst>
+                                            <p:cond delay="0"/>
+                                          </p:stCondLst>
+                                        </p:cTn>
+                                        <p:tgtEl>
+                                          <p:spTgt spid="3">
+                                            <p:txEl>
+                                              <p:pRg st="5" end="5"/>
+                                            </p:txEl>
+                                          </p:spTgt>
+                                        </p:tgtEl>
+                                        <p:attrNameLst>
+                                          <p:attrName>style.visibility</p:attrName>
+                                        </p:attrNameLst>
+                                      </p:cBhvr>
+                                      <p:to>
+                                        <p:strVal val="visible"/>
+                                      </p:to>
+                                    </p:set>
+                                  </p:childTnLst>
+                                </p:cTn>
+                              </p:par>
+                            </p:childTnLst>
+                          </p:cTn>
+                        </p:par>
+                      </p:childTnLst>
+                    </p:cTn>
+                  </p:par>
+                  <p:par>
+                    <p:cTn id="27" fill="hold">
+                      <p:stCondLst>
+                        <p:cond delay="indefinite"/>
+                      </p:stCondLst>
+                      <p:childTnLst>
+                        <p:par>
+                          <p:cTn id="28" fill="hold">
+                            <p:stCondLst>
+                              <p:cond delay="0"/>
+                            </p:stCondLst>
+                            <p:childTnLst>
+                              <p:par>
+                                <p:cTn id="29" presetID="1" presetClass="entr" presetSubtype="0" fill="hold" grpId="0" nodeType="clickEffect">
+                                  <p:stCondLst>
+                                    <p:cond delay="0"/>
+                                  </p:stCondLst>
+                                  <p:childTnLst>
+                                    <p:set>
+                                      <p:cBhvr>
+                                        <p:cTn id="30" dur="1" fill="hold">
+                                          <p:stCondLst>
+                                            <p:cond delay="0"/>
+                                          </p:stCondLst>
+                                        </p:cTn>
+                                        <p:tgtEl>
+                                          <p:spTgt spid="3">
+                                            <p:txEl>
+                                              <p:pRg st="6" end="6"/>
+                                            </p:txEl>
+                                          </p:spTgt>
+                                        </p:tgtEl>
+                                        <p:attrNameLst>
+                                          <p:attrName>style.visibility</p:attrName>
+                                        </p:attrNameLst>
+                                      </p:cBhvr>
+                                      <p:to>
+                                        <p:strVal val="visible"/>
+                                      </p:to>
+                                    </p:set>
+                                  </p:childTnLst>
+                                </p:cTn>
+                              </p:par>
+                            </p:childTnLst>
+                          </p:cTn>
+                        </p:par>
+                      </p:childTnLst>
+                    </p:cTn>
+                  </p:par>
+                </p:childTnLst>
+              </p:cTn>
+              <p:prevCondLst>
+                <p:cond evt="onPrev" delay="0">
+                  <p:tgtEl>
+                    <p:sldTgt/>
+                  </p:tgtEl>
+                </p:cond>
+              </p:prevCondLst>
+              <p:nextCondLst>
+                <p:cond evt="onNext" delay="0">
+                  <p:tgtEl>
+                    <p:sldTgt/>
+                  </p:tgtEl>
+                </p:cond>
+              </p:nextCondLst>
+            </p:seq>
+          </p:childTnLst>
+        </p:cTn>
+      </p:par>
+    </p:tnLst>
+    <p:bldLst>
+      <p:bldP spid="3" grpId="0" build="p"/>
+    </p:bldLst>
+  </p:timing>
+</p:sld>
+</file>
+
+<file path=ppt/slides/slide27.xml><?xml version="1.0" encoding="utf-8"?>
+<p:sld xmlns:a="http://schemas.openxmlformats.org/drawingml/2006/main" xmlns:r="http://schemas.openxmlformats.org/officeDocument/2006/relationships" xmlns:p="http://schemas.openxmlformats.org/presentationml/2006/main">
+  <p:cSld>
+    <p:spTree>
+      <p:nvGrpSpPr>
+        <p:cNvPr id="1" name=""/>
+        <p:cNvGrpSpPr/>
+        <p:nvPr/>
+      </p:nvGrpSpPr>
+      <p:grpSpPr>
+        <a:xfrm>
+          <a:off x="0" y="0"/>
+          <a:ext cx="0" cy="0"/>
+          <a:chOff x="0" y="0"/>
+          <a:chExt cx="0" cy="0"/>
+        </a:xfrm>
+      </p:grpSpPr>
+      <p:sp>
+        <p:nvSpPr>
+          <p:cNvPr id="2" name="Title 1">
+            <a:extLst>
+              <a:ext uri="{FF2B5EF4-FFF2-40B4-BE49-F238E27FC236}">
+                <a16:creationId xmlns:a16="http://schemas.microsoft.com/office/drawing/2014/main" id="{438F6DD4-4D34-537A-CF32-1593A532C1F2}"/>
+              </a:ext>
+            </a:extLst>
+          </p:cNvPr>
+          <p:cNvSpPr>
+            <a:spLocks noGrp="1"/>
+          </p:cNvSpPr>
+          <p:nvPr>
+            <p:ph type="title"/>
+          </p:nvPr>
+        </p:nvSpPr>
+        <p:spPr/>
+        <p:txBody>
+          <a:bodyPr/>
+          <a:lstStyle/>
+          <a:p>
+            <a:r>
+              <a:rPr lang="en-US" dirty="0"/>
+              <a:t>Real time operating systems</a:t>
+            </a:r>
+            <a:endParaRPr lang="en-IN" dirty="0"/>
+          </a:p>
+        </p:txBody>
+      </p:sp>
+      <p:sp>
+        <p:nvSpPr>
+          <p:cNvPr id="3" name="Content Placeholder 2">
+            <a:extLst>
+              <a:ext uri="{FF2B5EF4-FFF2-40B4-BE49-F238E27FC236}">
+                <a16:creationId xmlns:a16="http://schemas.microsoft.com/office/drawing/2014/main" id="{734F1ED6-7A70-7AE3-3BB3-CCC9ACABAECA}"/>
+              </a:ext>
+            </a:extLst>
+          </p:cNvPr>
+          <p:cNvSpPr>
+            <a:spLocks noGrp="1"/>
+          </p:cNvSpPr>
+          <p:nvPr>
+            <p:ph idx="1"/>
+          </p:nvPr>
+        </p:nvSpPr>
+        <p:spPr/>
+        <p:txBody>
+          <a:bodyPr/>
+          <a:lstStyle/>
+          <a:p>
+            <a:r>
+              <a:rPr lang="en-US" dirty="0"/>
+              <a:t>Low latency of OS calls</a:t>
+            </a:r>
+          </a:p>
+          <a:p>
+            <a:r>
+              <a:rPr lang="en-US" dirty="0"/>
+              <a:t>Fast context switching</a:t>
+            </a:r>
+          </a:p>
+          <a:p>
+            <a:r>
+              <a:rPr lang="en-US" dirty="0"/>
+              <a:t>Main goal: meeting task deadlines</a:t>
+            </a:r>
+          </a:p>
+          <a:p>
+            <a:r>
+              <a:rPr lang="en-US" dirty="0"/>
+              <a:t>Goal is not fairness (unlike conventional OSes)</a:t>
+            </a:r>
+          </a:p>
+          <a:p>
+            <a:endParaRPr lang="en-US" dirty="0"/>
+          </a:p>
+          <a:p>
+            <a:r>
+              <a:rPr lang="en-US" dirty="0"/>
+              <a:t>If you have five homework assignments, and one is due in an hour, you will work on that one!</a:t>
+            </a:r>
+            <a:endParaRPr lang="en-IN" dirty="0"/>
+          </a:p>
+        </p:txBody>
+      </p:sp>
+      <p:sp>
+        <p:nvSpPr>
+          <p:cNvPr id="4" name="Date Placeholder 3">
+            <a:extLst>
+              <a:ext uri="{FF2B5EF4-FFF2-40B4-BE49-F238E27FC236}">
+                <a16:creationId xmlns:a16="http://schemas.microsoft.com/office/drawing/2014/main" id="{DD24086B-2530-6A6E-74D6-59C243FB53C2}"/>
+              </a:ext>
+            </a:extLst>
+          </p:cNvPr>
+          <p:cNvSpPr>
+            <a:spLocks noGrp="1"/>
+          </p:cNvSpPr>
+          <p:nvPr>
+            <p:ph type="dt" sz="half" idx="10"/>
+          </p:nvPr>
+        </p:nvSpPr>
+        <p:spPr/>
+        <p:txBody>
+          <a:bodyPr/>
+          <a:lstStyle/>
+          <a:p>
+            <a:pPr>
+              <a:defRPr/>
+            </a:pPr>
+            <a:r>
+              <a:rPr lang="en-US"/>
+              <a:t>21/12/2020</a:t>
+            </a:r>
+          </a:p>
+        </p:txBody>
+      </p:sp>
+      <p:sp>
+        <p:nvSpPr>
+          <p:cNvPr id="5" name="Slide Number Placeholder 4">
+            <a:extLst>
+              <a:ext uri="{FF2B5EF4-FFF2-40B4-BE49-F238E27FC236}">
+                <a16:creationId xmlns:a16="http://schemas.microsoft.com/office/drawing/2014/main" id="{193DC894-DB20-07D5-049E-9A2CB04C7A22}"/>
+              </a:ext>
+            </a:extLst>
+          </p:cNvPr>
+          <p:cNvSpPr>
+            <a:spLocks noGrp="1"/>
+          </p:cNvSpPr>
+          <p:nvPr>
+            <p:ph type="sldNum" sz="quarter" idx="12"/>
+          </p:nvPr>
+        </p:nvSpPr>
+        <p:spPr/>
+        <p:txBody>
+          <a:bodyPr/>
+          <a:lstStyle/>
+          <a:p>
+            <a:pPr>
+              <a:defRPr/>
+            </a:pPr>
+            <a:fld id="{CA887A73-1AE0-46F8-856A-18EA1CF30A1B}" type="slidenum">
+              <a:rPr lang="en-US" altLang="en-US" smtClean="0"/>
+              <a:pPr>
+                <a:defRPr/>
+              </a:pPr>
+              <a:t>27</a:t>
+            </a:fld>
+            <a:endParaRPr lang="en-US" altLang="en-US"/>
+          </a:p>
+        </p:txBody>
+      </p:sp>
+    </p:spTree>
+    <p:extLst>
+      <p:ext uri="{BB962C8B-B14F-4D97-AF65-F5344CB8AC3E}">
+        <p14:creationId xmlns:p14="http://schemas.microsoft.com/office/powerpoint/2010/main" val="3281594976"/>
+      </p:ext>
+    </p:extLst>
+  </p:cSld>
+  <p:clrMapOvr>
+    <a:masterClrMapping/>
+  </p:clrMapOvr>
+  <p:timing>
+    <p:tnLst>
+      <p:par>
+        <p:cTn id="1" dur="indefinite" restart="never" nodeType="tmRoot">
+          <p:childTnLst>
+            <p:seq concurrent="1" nextAc="seek">
+              <p:cTn id="2" dur="indefinite" nodeType="mainSeq">
+                <p:childTnLst>
+                  <p:par>
+                    <p:cTn id="3" fill="hold">
+                      <p:stCondLst>
+                        <p:cond delay="indefinite"/>
+                      </p:stCondLst>
+                      <p:childTnLst>
+                        <p:par>
+                          <p:cTn id="4" fill="hold">
+                            <p:stCondLst>
+                              <p:cond delay="0"/>
+                            </p:stCondLst>
+                            <p:childTnLst>
+                              <p:par>
+                                <p:cTn id="5" presetID="1" presetClass="entr" presetSubtype="0" fill="hold" grpId="0" nodeType="clickEffect">
+                                  <p:stCondLst>
+                                    <p:cond delay="0"/>
+                                  </p:stCondLst>
+                                  <p:childTnLst>
+                                    <p:set>
+                                      <p:cBhvr>
+                                        <p:cTn id="6" dur="1" fill="hold">
+                                          <p:stCondLst>
+                                            <p:cond delay="0"/>
+                                          </p:stCondLst>
+                                        </p:cTn>
+                                        <p:tgtEl>
+                                          <p:spTgt spid="3">
+                                            <p:txEl>
+                                              <p:pRg st="0" end="0"/>
+                                            </p:txEl>
+                                          </p:spTgt>
+                                        </p:tgtEl>
+                                        <p:attrNameLst>
+                                          <p:attrName>style.visibility</p:attrName>
+                                        </p:attrNameLst>
+                                      </p:cBhvr>
+                                      <p:to>
+                                        <p:strVal val="visible"/>
+                                      </p:to>
+                                    </p:set>
+                                  </p:childTnLst>
+                                </p:cTn>
+                              </p:par>
+                            </p:childTnLst>
+                          </p:cTn>
+                        </p:par>
+                      </p:childTnLst>
+                    </p:cTn>
+                  </p:par>
+                  <p:par>
+                    <p:cTn id="7" fill="hold">
+                      <p:stCondLst>
+                        <p:cond delay="indefinite"/>
+                      </p:stCondLst>
+                      <p:childTnLst>
+                        <p:par>
+                          <p:cTn id="8" fill="hold">
+                            <p:stCondLst>
+                              <p:cond delay="0"/>
+                            </p:stCondLst>
+                            <p:childTnLst>
+                              <p:par>
+                                <p:cTn id="9" presetID="1" presetClass="entr" presetSubtype="0" fill="hold" grpId="0" nodeType="clickEffect">
+                                  <p:stCondLst>
+                                    <p:cond delay="0"/>
+                                  </p:stCondLst>
+                                  <p:childTnLst>
+                                    <p:set>
+                                      <p:cBhvr>
+                                        <p:cTn id="10" dur="1" fill="hold">
+                                          <p:stCondLst>
+                                            <p:cond delay="0"/>
+                                          </p:stCondLst>
+                                        </p:cTn>
+                                        <p:tgtEl>
+                                          <p:spTgt spid="3">
+                                            <p:txEl>
+                                              <p:pRg st="1" end="1"/>
+                                            </p:txEl>
+                                          </p:spTgt>
+                                        </p:tgtEl>
+                                        <p:attrNameLst>
+                                          <p:attrName>style.visibility</p:attrName>
+                                        </p:attrNameLst>
+                                      </p:cBhvr>
+                                      <p:to>
+                                        <p:strVal val="visible"/>
+                                      </p:to>
+                                    </p:set>
+                                  </p:childTnLst>
+                                </p:cTn>
+                              </p:par>
+                            </p:childTnLst>
+                          </p:cTn>
+                        </p:par>
+                      </p:childTnLst>
+                    </p:cTn>
+                  </p:par>
+                  <p:par>
+                    <p:cTn id="11" fill="hold">
+                      <p:stCondLst>
+                        <p:cond delay="indefinite"/>
+                      </p:stCondLst>
+                      <p:childTnLst>
+                        <p:par>
+                          <p:cTn id="12" fill="hold">
+                            <p:stCondLst>
+                              <p:cond delay="0"/>
+                            </p:stCondLst>
+                            <p:childTnLst>
+                              <p:par>
+                                <p:cTn id="13" presetID="1" presetClass="entr" presetSubtype="0" fill="hold" grpId="0" nodeType="clickEffect">
+                                  <p:stCondLst>
+                                    <p:cond delay="0"/>
+                                  </p:stCondLst>
+                                  <p:childTnLst>
+                                    <p:set>
+                                      <p:cBhvr>
+                                        <p:cTn id="14" dur="1" fill="hold">
+                                          <p:stCondLst>
+                                            <p:cond delay="0"/>
+                                          </p:stCondLst>
+                                        </p:cTn>
+                                        <p:tgtEl>
+                                          <p:spTgt spid="3">
+                                            <p:txEl>
+                                              <p:pRg st="2" end="2"/>
+                                            </p:txEl>
+                                          </p:spTgt>
+                                        </p:tgtEl>
+                                        <p:attrNameLst>
+                                          <p:attrName>style.visibility</p:attrName>
+                                        </p:attrNameLst>
+                                      </p:cBhvr>
+                                      <p:to>
+                                        <p:strVal val="visible"/>
+                                      </p:to>
+                                    </p:set>
+                                  </p:childTnLst>
+                                </p:cTn>
+                              </p:par>
+                            </p:childTnLst>
+                          </p:cTn>
+                        </p:par>
+                      </p:childTnLst>
+                    </p:cTn>
+                  </p:par>
+                  <p:par>
+                    <p:cTn id="15" fill="hold">
+                      <p:stCondLst>
+                        <p:cond delay="indefinite"/>
+                      </p:stCondLst>
+                      <p:childTnLst>
+                        <p:par>
+                          <p:cTn id="16" fill="hold">
+                            <p:stCondLst>
+                              <p:cond delay="0"/>
+                            </p:stCondLst>
+                            <p:childTnLst>
+                              <p:par>
+                                <p:cTn id="17" presetID="1" presetClass="entr" presetSubtype="0" fill="hold" grpId="0" nodeType="clickEffect">
+                                  <p:stCondLst>
+                                    <p:cond delay="0"/>
+                                  </p:stCondLst>
+                                  <p:childTnLst>
+                                    <p:set>
+                                      <p:cBhvr>
+                                        <p:cTn id="18" dur="1" fill="hold">
+                                          <p:stCondLst>
+                                            <p:cond delay="0"/>
+                                          </p:stCondLst>
+                                        </p:cTn>
+                                        <p:tgtEl>
+                                          <p:spTgt spid="3">
+                                            <p:txEl>
+                                              <p:pRg st="3" end="3"/>
+                                            </p:txEl>
+                                          </p:spTgt>
+                                        </p:tgtEl>
+                                        <p:attrNameLst>
+                                          <p:attrName>style.visibility</p:attrName>
+                                        </p:attrNameLst>
+                                      </p:cBhvr>
+                                      <p:to>
+                                        <p:strVal val="visible"/>
+                                      </p:to>
+                                    </p:set>
+                                  </p:childTnLst>
+                                </p:cTn>
+                              </p:par>
+                            </p:childTnLst>
+                          </p:cTn>
+                        </p:par>
+                      </p:childTnLst>
+                    </p:cTn>
+                  </p:par>
+                  <p:par>
+                    <p:cTn id="19" fill="hold">
+                      <p:stCondLst>
+                        <p:cond delay="indefinite"/>
+                      </p:stCondLst>
+                      <p:childTnLst>
+                        <p:par>
+                          <p:cTn id="20" fill="hold">
+                            <p:stCondLst>
+                              <p:cond delay="0"/>
+                            </p:stCondLst>
+                            <p:childTnLst>
+                              <p:par>
+                                <p:cTn id="21" presetID="1" presetClass="entr" presetSubtype="0" fill="hold" grpId="0" nodeType="clickEffect">
+                                  <p:stCondLst>
+                                    <p:cond delay="0"/>
+                                  </p:stCondLst>
+                                  <p:childTnLst>
+                                    <p:set>
+                                      <p:cBhvr>
+                                        <p:cTn id="22" dur="1" fill="hold">
+                                          <p:stCondLst>
+                                            <p:cond delay="0"/>
+                                          </p:stCondLst>
+                                        </p:cTn>
+                                        <p:tgtEl>
+                                          <p:spTgt spid="3">
+                                            <p:txEl>
+                                              <p:pRg st="5" end="5"/>
+                                            </p:txEl>
+                                          </p:spTgt>
+                                        </p:tgtEl>
+                                        <p:attrNameLst>
+                                          <p:attrName>style.visibility</p:attrName>
+                                        </p:attrNameLst>
+                                      </p:cBhvr>
+                                      <p:to>
+                                        <p:strVal val="visible"/>
+                                      </p:to>
+                                    </p:set>
+                                  </p:childTnLst>
+                                </p:cTn>
+                              </p:par>
+                            </p:childTnLst>
+                          </p:cTn>
+                        </p:par>
+                      </p:childTnLst>
+                    </p:cTn>
+                  </p:par>
+                </p:childTnLst>
+              </p:cTn>
+              <p:prevCondLst>
+                <p:cond evt="onPrev" delay="0">
+                  <p:tgtEl>
+                    <p:sldTgt/>
+                  </p:tgtEl>
+                </p:cond>
+              </p:prevCondLst>
+              <p:nextCondLst>
+                <p:cond evt="onNext" delay="0">
+                  <p:tgtEl>
+                    <p:sldTgt/>
+                  </p:tgtEl>
+                </p:cond>
+              </p:nextCondLst>
+            </p:seq>
+          </p:childTnLst>
+        </p:cTn>
+      </p:par>
+    </p:tnLst>
+    <p:bldLst>
+      <p:bldP spid="3" grpId="0" build="p"/>
+    </p:bldLst>
+  </p:timing>
+</p:sld>
+</file>
+
+<file path=ppt/slides/slide28.xml><?xml version="1.0" encoding="utf-8"?>
+<p:sld xmlns:a="http://schemas.openxmlformats.org/drawingml/2006/main" xmlns:r="http://schemas.openxmlformats.org/officeDocument/2006/relationships" xmlns:p="http://schemas.openxmlformats.org/presentationml/2006/main">
+  <p:cSld>
+    <p:spTree>
+      <p:nvGrpSpPr>
+        <p:cNvPr id="1" name=""/>
+        <p:cNvGrpSpPr/>
+        <p:nvPr/>
+      </p:nvGrpSpPr>
+      <p:grpSpPr>
+        <a:xfrm>
+          <a:off x="0" y="0"/>
+          <a:ext cx="0" cy="0"/>
+          <a:chOff x="0" y="0"/>
+          <a:chExt cx="0" cy="0"/>
+        </a:xfrm>
+      </p:grpSpPr>
+      <p:sp>
+        <p:nvSpPr>
+          <p:cNvPr id="2" name="Title 1">
+            <a:extLst>
+              <a:ext uri="{FF2B5EF4-FFF2-40B4-BE49-F238E27FC236}">
+                <a16:creationId xmlns:a16="http://schemas.microsoft.com/office/drawing/2014/main" id="{A7611A54-FC17-904C-9905-BC032DC591D8}"/>
+              </a:ext>
+            </a:extLst>
+          </p:cNvPr>
+          <p:cNvSpPr>
+            <a:spLocks noGrp="1"/>
+          </p:cNvSpPr>
+          <p:nvPr>
+            <p:ph type="title"/>
+          </p:nvPr>
+        </p:nvSpPr>
+        <p:spPr/>
+        <p:txBody>
+          <a:bodyPr/>
+          <a:lstStyle/>
+          <a:p>
+            <a:r>
+              <a:rPr lang="en-US" dirty="0"/>
+              <a:t>RTOS Task Model</a:t>
+            </a:r>
+            <a:endParaRPr lang="en-IN" dirty="0"/>
+          </a:p>
+        </p:txBody>
+      </p:sp>
+      <p:sp>
+        <p:nvSpPr>
+          <p:cNvPr id="3" name="Content Placeholder 2">
+            <a:extLst>
+              <a:ext uri="{FF2B5EF4-FFF2-40B4-BE49-F238E27FC236}">
+                <a16:creationId xmlns:a16="http://schemas.microsoft.com/office/drawing/2014/main" id="{EE2E1573-31AE-FA09-2B5D-C102D8C9A69C}"/>
+              </a:ext>
+            </a:extLst>
+          </p:cNvPr>
+          <p:cNvSpPr>
+            <a:spLocks noGrp="1"/>
+          </p:cNvSpPr>
+          <p:nvPr>
+            <p:ph idx="1"/>
+          </p:nvPr>
+        </p:nvSpPr>
+        <p:spPr/>
+        <p:txBody>
+          <a:bodyPr/>
+          <a:lstStyle/>
+          <a:p>
+            <a:r>
+              <a:rPr lang="en-US" sz="2800" dirty="0"/>
+              <a:t>Each task a triplet: (execution time, period, deadline)</a:t>
+            </a:r>
+          </a:p>
+          <a:p>
+            <a:r>
+              <a:rPr lang="en-US" sz="2800" dirty="0"/>
+              <a:t>Usually: deadline = period</a:t>
+            </a:r>
+          </a:p>
+          <a:p>
+            <a:r>
+              <a:rPr lang="en-US" sz="2800" dirty="0"/>
+              <a:t>Can be initiated anytime during the period</a:t>
+            </a:r>
+            <a:endParaRPr lang="en-IN" sz="2800" dirty="0"/>
+          </a:p>
+        </p:txBody>
+      </p:sp>
+      <p:sp>
+        <p:nvSpPr>
+          <p:cNvPr id="4" name="Date Placeholder 3">
+            <a:extLst>
+              <a:ext uri="{FF2B5EF4-FFF2-40B4-BE49-F238E27FC236}">
+                <a16:creationId xmlns:a16="http://schemas.microsoft.com/office/drawing/2014/main" id="{4ECD37D5-C883-0F93-AD94-E8C1CA0D9907}"/>
+              </a:ext>
+            </a:extLst>
+          </p:cNvPr>
+          <p:cNvSpPr>
+            <a:spLocks noGrp="1"/>
+          </p:cNvSpPr>
+          <p:nvPr>
+            <p:ph type="dt" sz="half" idx="10"/>
+          </p:nvPr>
+        </p:nvSpPr>
+        <p:spPr/>
+        <p:txBody>
+          <a:bodyPr/>
+          <a:lstStyle/>
+          <a:p>
+            <a:pPr>
+              <a:defRPr/>
+            </a:pPr>
+            <a:r>
+              <a:rPr lang="en-US"/>
+              <a:t>21/12/2020</a:t>
+            </a:r>
+          </a:p>
+        </p:txBody>
+      </p:sp>
+      <p:sp>
+        <p:nvSpPr>
+          <p:cNvPr id="5" name="Slide Number Placeholder 4">
+            <a:extLst>
+              <a:ext uri="{FF2B5EF4-FFF2-40B4-BE49-F238E27FC236}">
+                <a16:creationId xmlns:a16="http://schemas.microsoft.com/office/drawing/2014/main" id="{A7CEE3F2-6251-953D-B9B1-6B2D6658931F}"/>
+              </a:ext>
+            </a:extLst>
+          </p:cNvPr>
+          <p:cNvSpPr>
+            <a:spLocks noGrp="1"/>
+          </p:cNvSpPr>
+          <p:nvPr>
+            <p:ph type="sldNum" sz="quarter" idx="12"/>
+          </p:nvPr>
+        </p:nvSpPr>
+        <p:spPr/>
+        <p:txBody>
+          <a:bodyPr/>
+          <a:lstStyle/>
+          <a:p>
+            <a:pPr>
+              <a:defRPr/>
+            </a:pPr>
+            <a:fld id="{CA887A73-1AE0-46F8-856A-18EA1CF30A1B}" type="slidenum">
+              <a:rPr lang="en-US" altLang="en-US" smtClean="0"/>
+              <a:pPr>
+                <a:defRPr/>
+              </a:pPr>
+              <a:t>28</a:t>
+            </a:fld>
+            <a:endParaRPr lang="en-US" altLang="en-US"/>
+          </a:p>
+        </p:txBody>
+      </p:sp>
+      <p:pic>
+        <p:nvPicPr>
+          <p:cNvPr id="7" name="Picture 6">
+            <a:extLst>
+              <a:ext uri="{FF2B5EF4-FFF2-40B4-BE49-F238E27FC236}">
+                <a16:creationId xmlns:a16="http://schemas.microsoft.com/office/drawing/2014/main" id="{A2411DEC-90C5-CDD2-75B8-CDF230B13FDF}"/>
+              </a:ext>
+            </a:extLst>
+          </p:cNvPr>
+          <p:cNvPicPr>
+            <a:picLocks noChangeAspect="1"/>
+          </p:cNvPicPr>
+          <p:nvPr/>
+        </p:nvPicPr>
+        <p:blipFill>
+          <a:blip r:embed="rId2"/>
+          <a:stretch>
+            <a:fillRect/>
+          </a:stretch>
+        </p:blipFill>
+        <p:spPr>
+          <a:xfrm>
+            <a:off x="1032968" y="3429000"/>
+            <a:ext cx="7078063" cy="2581635"/>
+          </a:xfrm>
+          <a:prstGeom prst="rect">
+            <a:avLst/>
+          </a:prstGeom>
+        </p:spPr>
+      </p:pic>
+    </p:spTree>
+    <p:extLst>
+      <p:ext uri="{BB962C8B-B14F-4D97-AF65-F5344CB8AC3E}">
+        <p14:creationId xmlns:p14="http://schemas.microsoft.com/office/powerpoint/2010/main" val="1740656300"/>
+      </p:ext>
+    </p:extLst>
+  </p:cSld>
+  <p:clrMapOvr>
+    <a:masterClrMapping/>
+  </p:clrMapOvr>
+  <p:timing>
+    <p:tnLst>
+      <p:par>
+        <p:cTn id="1" dur="indefinite" restart="never" nodeType="tmRoot">
+          <p:childTnLst>
+            <p:seq concurrent="1" nextAc="seek">
+              <p:cTn id="2" dur="indefinite" nodeType="mainSeq">
+                <p:childTnLst>
+                  <p:par>
+                    <p:cTn id="3" fill="hold">
+                      <p:stCondLst>
+                        <p:cond delay="indefinite"/>
+                      </p:stCondLst>
+                      <p:childTnLst>
+                        <p:par>
+                          <p:cTn id="4" fill="hold">
+                            <p:stCondLst>
+                              <p:cond delay="0"/>
+                            </p:stCondLst>
+                            <p:childTnLst>
+                              <p:par>
+                                <p:cTn id="5" presetID="1" presetClass="entr" presetSubtype="0" fill="hold" grpId="0" nodeType="clickEffect">
+                                  <p:stCondLst>
+                                    <p:cond delay="0"/>
+                                  </p:stCondLst>
+                                  <p:childTnLst>
+                                    <p:set>
+                                      <p:cBhvr>
+                                        <p:cTn id="6" dur="1" fill="hold">
+                                          <p:stCondLst>
+                                            <p:cond delay="0"/>
+                                          </p:stCondLst>
+                                        </p:cTn>
+                                        <p:tgtEl>
+                                          <p:spTgt spid="3">
+                                            <p:txEl>
+                                              <p:pRg st="0" end="0"/>
+                                            </p:txEl>
+                                          </p:spTgt>
+                                        </p:tgtEl>
+                                        <p:attrNameLst>
+                                          <p:attrName>style.visibility</p:attrName>
+                                        </p:attrNameLst>
+                                      </p:cBhvr>
+                                      <p:to>
+                                        <p:strVal val="visible"/>
+                                      </p:to>
+                                    </p:set>
+                                  </p:childTnLst>
+                                </p:cTn>
+                              </p:par>
+                            </p:childTnLst>
+                          </p:cTn>
+                        </p:par>
+                      </p:childTnLst>
+                    </p:cTn>
+                  </p:par>
+                  <p:par>
+                    <p:cTn id="7" fill="hold">
+                      <p:stCondLst>
+                        <p:cond delay="indefinite"/>
+                      </p:stCondLst>
+                      <p:childTnLst>
+                        <p:par>
+                          <p:cTn id="8" fill="hold">
+                            <p:stCondLst>
+                              <p:cond delay="0"/>
+                            </p:stCondLst>
+                            <p:childTnLst>
+                              <p:par>
+                                <p:cTn id="9" presetID="1" presetClass="entr" presetSubtype="0" fill="hold" grpId="0" nodeType="clickEffect">
+                                  <p:stCondLst>
+                                    <p:cond delay="0"/>
+                                  </p:stCondLst>
+                                  <p:childTnLst>
+                                    <p:set>
+                                      <p:cBhvr>
+                                        <p:cTn id="10" dur="1" fill="hold">
+                                          <p:stCondLst>
+                                            <p:cond delay="0"/>
+                                          </p:stCondLst>
+                                        </p:cTn>
+                                        <p:tgtEl>
+                                          <p:spTgt spid="3">
+                                            <p:txEl>
+                                              <p:pRg st="1" end="1"/>
+                                            </p:txEl>
+                                          </p:spTgt>
+                                        </p:tgtEl>
+                                        <p:attrNameLst>
+                                          <p:attrName>style.visibility</p:attrName>
+                                        </p:attrNameLst>
+                                      </p:cBhvr>
+                                      <p:to>
+                                        <p:strVal val="visible"/>
+                                      </p:to>
+                                    </p:set>
+                                  </p:childTnLst>
+                                </p:cTn>
+                              </p:par>
+                            </p:childTnLst>
+                          </p:cTn>
+                        </p:par>
+                      </p:childTnLst>
+                    </p:cTn>
+                  </p:par>
+                  <p:par>
+                    <p:cTn id="11" fill="hold">
+                      <p:stCondLst>
+                        <p:cond delay="indefinite"/>
+                      </p:stCondLst>
+                      <p:childTnLst>
+                        <p:par>
+                          <p:cTn id="12" fill="hold">
+                            <p:stCondLst>
+                              <p:cond delay="0"/>
+                            </p:stCondLst>
+                            <p:childTnLst>
+                              <p:par>
+                                <p:cTn id="13" presetID="1" presetClass="entr" presetSubtype="0" fill="hold" grpId="0" nodeType="clickEffect">
+                                  <p:stCondLst>
+                                    <p:cond delay="0"/>
+                                  </p:stCondLst>
+                                  <p:childTnLst>
+                                    <p:set>
+                                      <p:cBhvr>
+                                        <p:cTn id="14" dur="1" fill="hold">
+                                          <p:stCondLst>
+                                            <p:cond delay="0"/>
+                                          </p:stCondLst>
+                                        </p:cTn>
+                                        <p:tgtEl>
+                                          <p:spTgt spid="3">
+                                            <p:txEl>
+                                              <p:pRg st="2" end="2"/>
+                                            </p:txEl>
+                                          </p:spTgt>
+                                        </p:tgtEl>
+                                        <p:attrNameLst>
+                                          <p:attrName>style.visibility</p:attrName>
+                                        </p:attrNameLst>
+                                      </p:cBhvr>
+                                      <p:to>
+                                        <p:strVal val="visible"/>
+                                      </p:to>
+                                    </p:set>
+                                  </p:childTnLst>
+                                </p:cTn>
+                              </p:par>
+                            </p:childTnLst>
+                          </p:cTn>
+                        </p:par>
+                      </p:childTnLst>
+                    </p:cTn>
+                  </p:par>
+                  <p:par>
+                    <p:cTn id="15" fill="hold">
+                      <p:stCondLst>
+                        <p:cond delay="indefinite"/>
+                      </p:stCondLst>
+                      <p:childTnLst>
+                        <p:par>
+                          <p:cTn id="16" fill="hold">
+                            <p:stCondLst>
+                              <p:cond delay="0"/>
+                            </p:stCondLst>
+                            <p:childTnLst>
+                              <p:par>
+                                <p:cTn id="17" presetID="1" presetClass="entr" presetSubtype="0" fill="hold" nodeType="clickEffect">
+                                  <p:stCondLst>
+                                    <p:cond delay="0"/>
+                                  </p:stCondLst>
+                                  <p:childTnLst>
+                                    <p:set>
+                                      <p:cBhvr>
+                                        <p:cTn id="18" dur="1" fill="hold">
+                                          <p:stCondLst>
+                                            <p:cond delay="0"/>
+                                          </p:stCondLst>
+                                        </p:cTn>
+                                        <p:tgtEl>
+                                          <p:spTgt spid="7"/>
+                                        </p:tgtEl>
+                                        <p:attrNameLst>
+                                          <p:attrName>style.visibility</p:attrName>
+                                        </p:attrNameLst>
+                                      </p:cBhvr>
+                                      <p:to>
+                                        <p:strVal val="visible"/>
+                                      </p:to>
+                                    </p:set>
+                                  </p:childTnLst>
+                                </p:cTn>
+                              </p:par>
+                            </p:childTnLst>
+                          </p:cTn>
+                        </p:par>
+                      </p:childTnLst>
+                    </p:cTn>
+                  </p:par>
+                </p:childTnLst>
+              </p:cTn>
+              <p:prevCondLst>
+                <p:cond evt="onPrev" delay="0">
+                  <p:tgtEl>
+                    <p:sldTgt/>
+                  </p:tgtEl>
+                </p:cond>
+              </p:prevCondLst>
+              <p:nextCondLst>
+                <p:cond evt="onNext" delay="0">
+                  <p:tgtEl>
+                    <p:sldTgt/>
+                  </p:tgtEl>
+                </p:cond>
+              </p:nextCondLst>
+            </p:seq>
+          </p:childTnLst>
+        </p:cTn>
+      </p:par>
+    </p:tnLst>
+    <p:bldLst>
+      <p:bldP spid="3" grpId="0" build="p"/>
+    </p:bldLst>
+  </p:timing>
+</p:sld>
+</file>
+
+<file path=ppt/slides/slide29.xml><?xml version="1.0" encoding="utf-8"?>
+<p:sld xmlns:a="http://schemas.openxmlformats.org/drawingml/2006/main" xmlns:r="http://schemas.openxmlformats.org/officeDocument/2006/relationships" xmlns:p="http://schemas.openxmlformats.org/presentationml/2006/main">
+  <p:cSld>
+    <p:spTree>
+      <p:nvGrpSpPr>
+        <p:cNvPr id="1" name=""/>
+        <p:cNvGrpSpPr/>
+        <p:nvPr/>
+      </p:nvGrpSpPr>
+      <p:grpSpPr>
+        <a:xfrm>
+          <a:off x="0" y="0"/>
+          <a:ext cx="0" cy="0"/>
+          <a:chOff x="0" y="0"/>
+          <a:chExt cx="0" cy="0"/>
+        </a:xfrm>
+      </p:grpSpPr>
+      <p:sp>
+        <p:nvSpPr>
+          <p:cNvPr id="2" name="Title 1">
+            <a:extLst>
+              <a:ext uri="{FF2B5EF4-FFF2-40B4-BE49-F238E27FC236}">
+                <a16:creationId xmlns:a16="http://schemas.microsoft.com/office/drawing/2014/main" id="{B9EAE6F3-AB14-8828-F52E-C4732DD05B12}"/>
+              </a:ext>
+            </a:extLst>
+          </p:cNvPr>
+          <p:cNvSpPr>
+            <a:spLocks noGrp="1"/>
+          </p:cNvSpPr>
+          <p:nvPr>
+            <p:ph type="title"/>
+          </p:nvPr>
+        </p:nvSpPr>
+        <p:spPr/>
+        <p:txBody>
+          <a:bodyPr/>
+          <a:lstStyle/>
+          <a:p>
+            <a:r>
+              <a:rPr lang="en-US" dirty="0"/>
+              <a:t>Periods can be very different for different tasks</a:t>
+            </a:r>
+            <a:endParaRPr lang="en-IN" dirty="0"/>
+          </a:p>
+        </p:txBody>
+      </p:sp>
+      <p:pic>
+        <p:nvPicPr>
+          <p:cNvPr id="7" name="Content Placeholder 6">
+            <a:extLst>
+              <a:ext uri="{FF2B5EF4-FFF2-40B4-BE49-F238E27FC236}">
+                <a16:creationId xmlns:a16="http://schemas.microsoft.com/office/drawing/2014/main" id="{731C2EF6-E9C8-BF8B-CB1A-A30AF4808255}"/>
+              </a:ext>
+            </a:extLst>
+          </p:cNvPr>
+          <p:cNvPicPr>
+            <a:picLocks noGrp="1" noChangeAspect="1"/>
+          </p:cNvPicPr>
+          <p:nvPr>
+            <p:ph idx="1"/>
+          </p:nvPr>
+        </p:nvPicPr>
+        <p:blipFill>
+          <a:blip r:embed="rId2"/>
+          <a:stretch>
+            <a:fillRect/>
+          </a:stretch>
+        </p:blipFill>
+        <p:spPr bwMode="auto">
+          <a:xfrm>
+            <a:off x="585356" y="1446213"/>
+            <a:ext cx="7973288" cy="5014912"/>
+          </a:xfrm>
+          <a:prstGeom prst="rect">
+            <a:avLst/>
+          </a:prstGeom>
+          <a:noFill/>
+          <a:ln>
+            <a:noFill/>
+          </a:ln>
+          <a:extLst>
+            <a:ext uri="{909E8E84-426E-40DD-AFC4-6F175D3DCCD1}">
+              <a14:hiddenFill xmlns:a14="http://schemas.microsoft.com/office/drawing/2010/main">
+                <a:solidFill>
+                  <a:srgbClr val="FFFFFF"/>
+                </a:solidFill>
+              </a14:hiddenFill>
+            </a:ext>
+            <a:ext uri="{91240B29-F687-4F45-9708-019B960494DF}">
+              <a14:hiddenLine xmlns:a14="http://schemas.microsoft.com/office/drawing/2010/main" w="9525">
+                <a:solidFill>
+                  <a:srgbClr val="000000"/>
+                </a:solidFill>
+                <a:miter lim="800000"/>
+                <a:headEnd/>
+                <a:tailEnd/>
+              </a14:hiddenLine>
+            </a:ext>
+          </a:extLst>
+        </p:spPr>
+      </p:pic>
+      <p:sp>
+        <p:nvSpPr>
+          <p:cNvPr id="4" name="Date Placeholder 3">
+            <a:extLst>
+              <a:ext uri="{FF2B5EF4-FFF2-40B4-BE49-F238E27FC236}">
+                <a16:creationId xmlns:a16="http://schemas.microsoft.com/office/drawing/2014/main" id="{23839BDF-2D86-49D7-C197-72BA5EB454CD}"/>
+              </a:ext>
+            </a:extLst>
+          </p:cNvPr>
+          <p:cNvSpPr>
+            <a:spLocks noGrp="1"/>
+          </p:cNvSpPr>
+          <p:nvPr>
+            <p:ph type="dt" sz="half" idx="10"/>
+          </p:nvPr>
+        </p:nvSpPr>
+        <p:spPr/>
+        <p:txBody>
+          <a:bodyPr/>
+          <a:lstStyle/>
+          <a:p>
+            <a:pPr>
+              <a:defRPr/>
+            </a:pPr>
+            <a:r>
+              <a:rPr lang="en-US"/>
+              <a:t>21/12/2020</a:t>
+            </a:r>
+          </a:p>
+        </p:txBody>
+      </p:sp>
+      <p:sp>
+        <p:nvSpPr>
+          <p:cNvPr id="5" name="Slide Number Placeholder 4">
+            <a:extLst>
+              <a:ext uri="{FF2B5EF4-FFF2-40B4-BE49-F238E27FC236}">
+                <a16:creationId xmlns:a16="http://schemas.microsoft.com/office/drawing/2014/main" id="{6424AE21-7101-04C2-39A0-7422B04CFF17}"/>
+              </a:ext>
+            </a:extLst>
+          </p:cNvPr>
+          <p:cNvSpPr>
+            <a:spLocks noGrp="1"/>
+          </p:cNvSpPr>
+          <p:nvPr>
+            <p:ph type="sldNum" sz="quarter" idx="12"/>
+          </p:nvPr>
+        </p:nvSpPr>
+        <p:spPr/>
+        <p:txBody>
+          <a:bodyPr/>
+          <a:lstStyle/>
+          <a:p>
+            <a:pPr>
+              <a:defRPr/>
+            </a:pPr>
+            <a:fld id="{CA887A73-1AE0-46F8-856A-18EA1CF30A1B}" type="slidenum">
+              <a:rPr lang="en-US" altLang="en-US" smtClean="0"/>
+              <a:pPr>
+                <a:defRPr/>
+              </a:pPr>
+              <a:t>29</a:t>
+            </a:fld>
+            <a:endParaRPr lang="en-US" altLang="en-US"/>
+          </a:p>
+        </p:txBody>
+      </p:sp>
+    </p:spTree>
+    <p:extLst>
+      <p:ext uri="{BB962C8B-B14F-4D97-AF65-F5344CB8AC3E}">
+        <p14:creationId xmlns:p14="http://schemas.microsoft.com/office/powerpoint/2010/main" val="1545121557"/>
+      </p:ext>
+    </p:extLst>
+  </p:cSld>
+  <p:clrMapOvr>
+    <a:masterClrMapping/>
+  </p:clrMapOvr>
+</p:sld>
+</file>
+
 <file path=ppt/slides/slide3.xml><?xml version="1.0" encoding="utf-8"?>
 <p:sld xmlns:a="http://schemas.openxmlformats.org/drawingml/2006/main" xmlns:r="http://schemas.openxmlformats.org/officeDocument/2006/relationships" xmlns:p="http://schemas.openxmlformats.org/presentationml/2006/main">
   <p:cSld>
@@ -17237,6 +19035,193 @@
       <p:bldP spid="3" grpId="0" build="p"/>
     </p:bldLst>
   </p:timing>
+</p:sld>
+</file>
+
+<file path=ppt/slides/slide30.xml><?xml version="1.0" encoding="utf-8"?>
+<p:sld xmlns:a="http://schemas.openxmlformats.org/drawingml/2006/main" xmlns:r="http://schemas.openxmlformats.org/officeDocument/2006/relationships" xmlns:p="http://schemas.openxmlformats.org/presentationml/2006/main">
+  <p:cSld>
+    <p:spTree>
+      <p:nvGrpSpPr>
+        <p:cNvPr id="1" name=""/>
+        <p:cNvGrpSpPr/>
+        <p:nvPr/>
+      </p:nvGrpSpPr>
+      <p:grpSpPr>
+        <a:xfrm>
+          <a:off x="0" y="0"/>
+          <a:ext cx="0" cy="0"/>
+          <a:chOff x="0" y="0"/>
+          <a:chExt cx="0" cy="0"/>
+        </a:xfrm>
+      </p:grpSpPr>
+      <p:sp>
+        <p:nvSpPr>
+          <p:cNvPr id="2" name="Title 1">
+            <a:extLst>
+              <a:ext uri="{FF2B5EF4-FFF2-40B4-BE49-F238E27FC236}">
+                <a16:creationId xmlns:a16="http://schemas.microsoft.com/office/drawing/2014/main" id="{2FD2E17A-3F26-FBA4-16E1-5ED79A0B4267}"/>
+              </a:ext>
+            </a:extLst>
+          </p:cNvPr>
+          <p:cNvSpPr>
+            <a:spLocks noGrp="1"/>
+          </p:cNvSpPr>
+          <p:nvPr>
+            <p:ph type="title"/>
+          </p:nvPr>
+        </p:nvSpPr>
+        <p:spPr/>
+        <p:txBody>
+          <a:bodyPr/>
+          <a:lstStyle/>
+          <a:p>
+            <a:r>
+              <a:rPr lang="en-US" dirty="0"/>
+              <a:t>Priority based preemptive scheduling</a:t>
+            </a:r>
+            <a:endParaRPr lang="en-IN" dirty="0"/>
+          </a:p>
+        </p:txBody>
+      </p:sp>
+      <p:sp>
+        <p:nvSpPr>
+          <p:cNvPr id="3" name="Content Placeholder 2">
+            <a:extLst>
+              <a:ext uri="{FF2B5EF4-FFF2-40B4-BE49-F238E27FC236}">
+                <a16:creationId xmlns:a16="http://schemas.microsoft.com/office/drawing/2014/main" id="{8303784C-61C6-A4FF-77B7-4F193030D01C}"/>
+              </a:ext>
+            </a:extLst>
+          </p:cNvPr>
+          <p:cNvSpPr>
+            <a:spLocks noGrp="1"/>
+          </p:cNvSpPr>
+          <p:nvPr>
+            <p:ph idx="1"/>
+          </p:nvPr>
+        </p:nvSpPr>
+        <p:spPr/>
+        <p:txBody>
+          <a:bodyPr/>
+          <a:lstStyle/>
+          <a:p>
+            <a:pPr marL="0" indent="0">
+              <a:buNone/>
+            </a:pPr>
+            <a:r>
+              <a:rPr lang="en-US" dirty="0"/>
+              <a:t>Always run the highest priority runnable process</a:t>
+            </a:r>
+            <a:endParaRPr lang="en-IN" dirty="0"/>
+          </a:p>
+        </p:txBody>
+      </p:sp>
+      <p:sp>
+        <p:nvSpPr>
+          <p:cNvPr id="4" name="Date Placeholder 3">
+            <a:extLst>
+              <a:ext uri="{FF2B5EF4-FFF2-40B4-BE49-F238E27FC236}">
+                <a16:creationId xmlns:a16="http://schemas.microsoft.com/office/drawing/2014/main" id="{E34A0BC7-7B0B-1B5A-D5CE-B1193632E4AA}"/>
+              </a:ext>
+            </a:extLst>
+          </p:cNvPr>
+          <p:cNvSpPr>
+            <a:spLocks noGrp="1"/>
+          </p:cNvSpPr>
+          <p:nvPr>
+            <p:ph type="dt" sz="half" idx="10"/>
+          </p:nvPr>
+        </p:nvSpPr>
+        <p:spPr/>
+        <p:txBody>
+          <a:bodyPr/>
+          <a:lstStyle/>
+          <a:p>
+            <a:pPr>
+              <a:defRPr/>
+            </a:pPr>
+            <a:r>
+              <a:rPr lang="en-US"/>
+              <a:t>21/12/2020</a:t>
+            </a:r>
+          </a:p>
+        </p:txBody>
+      </p:sp>
+      <p:sp>
+        <p:nvSpPr>
+          <p:cNvPr id="5" name="Slide Number Placeholder 4">
+            <a:extLst>
+              <a:ext uri="{FF2B5EF4-FFF2-40B4-BE49-F238E27FC236}">
+                <a16:creationId xmlns:a16="http://schemas.microsoft.com/office/drawing/2014/main" id="{4C93AAC9-68A6-453A-4214-0B5D297DDD2B}"/>
+              </a:ext>
+            </a:extLst>
+          </p:cNvPr>
+          <p:cNvSpPr>
+            <a:spLocks noGrp="1"/>
+          </p:cNvSpPr>
+          <p:nvPr>
+            <p:ph type="sldNum" sz="quarter" idx="12"/>
+          </p:nvPr>
+        </p:nvSpPr>
+        <p:spPr/>
+        <p:txBody>
+          <a:bodyPr/>
+          <a:lstStyle/>
+          <a:p>
+            <a:pPr>
+              <a:defRPr/>
+            </a:pPr>
+            <a:fld id="{CA887A73-1AE0-46F8-856A-18EA1CF30A1B}" type="slidenum">
+              <a:rPr lang="en-US" altLang="en-US" smtClean="0"/>
+              <a:pPr>
+                <a:defRPr/>
+              </a:pPr>
+              <a:t>30</a:t>
+            </a:fld>
+            <a:endParaRPr lang="en-US" altLang="en-US"/>
+          </a:p>
+        </p:txBody>
+      </p:sp>
+      <p:pic>
+        <p:nvPicPr>
+          <p:cNvPr id="7" name="Picture 6">
+            <a:extLst>
+              <a:ext uri="{FF2B5EF4-FFF2-40B4-BE49-F238E27FC236}">
+                <a16:creationId xmlns:a16="http://schemas.microsoft.com/office/drawing/2014/main" id="{F28C1182-9109-EE07-68A5-EF7FBADD639B}"/>
+              </a:ext>
+            </a:extLst>
+          </p:cNvPr>
+          <p:cNvPicPr>
+            <a:picLocks noChangeAspect="1"/>
+          </p:cNvPicPr>
+          <p:nvPr/>
+        </p:nvPicPr>
+        <p:blipFill>
+          <a:blip r:embed="rId2"/>
+          <a:stretch>
+            <a:fillRect/>
+          </a:stretch>
+        </p:blipFill>
+        <p:spPr>
+          <a:xfrm>
+            <a:off x="580468" y="2514600"/>
+            <a:ext cx="7983064" cy="2438740"/>
+          </a:xfrm>
+          <a:prstGeom prst="rect">
+            <a:avLst/>
+          </a:prstGeom>
+        </p:spPr>
+      </p:pic>
+    </p:spTree>
+    <p:extLst>
+      <p:ext uri="{BB962C8B-B14F-4D97-AF65-F5344CB8AC3E}">
+        <p14:creationId xmlns:p14="http://schemas.microsoft.com/office/powerpoint/2010/main" val="3283469870"/>
+      </p:ext>
+    </p:extLst>
+  </p:cSld>
+  <p:clrMapOvr>
+    <a:masterClrMapping/>
+  </p:clrMapOvr>
 </p:sld>
 </file>
 
